--- a/meterials/slides/ch08-user-manage.pptx
+++ b/meterials/slides/ch08-user-manage.pptx
@@ -45,7 +45,7 @@
     <p:sldId id="489" r:id="rId33"/>
     <p:sldId id="491" r:id="rId34"/>
     <p:sldId id="456" r:id="rId35"/>
-    <p:sldId id="440" r:id="rId36"/>
+    <p:sldId id="502" r:id="rId36"/>
     <p:sldId id="311" r:id="rId37"/>
   </p:sldIdLst>
   <p:sldSz cx="12192000" cy="6858000"/>
@@ -15806,36 +15806,6 @@
           </a:p>
         </p:txBody>
       </p:sp>
-      <p:pic>
-        <p:nvPicPr>
-          <p:cNvPr id="3" name="图片 2"/>
-          <p:cNvPicPr>
-            <a:picLocks noChangeAspect="1"/>
-          </p:cNvPicPr>
-          <p:nvPr/>
-        </p:nvPicPr>
-        <p:blipFill>
-          <a:blip r:embed="rId2">
-            <a:extLst>
-              <a:ext uri="{28A0092B-C50C-407E-A947-70E740481C1C}">
-                <a14:useLocalDpi xmlns:a14="http://schemas.microsoft.com/office/drawing/2010/main" val="0"/>
-              </a:ext>
-            </a:extLst>
-          </a:blip>
-          <a:stretch>
-            <a:fillRect/>
-          </a:stretch>
-        </p:blipFill>
-        <p:spPr>
-          <a:xfrm>
-            <a:off x="1054099" y="1709737"/>
-            <a:ext cx="10317452" cy="2290763"/>
-          </a:xfrm>
-          <a:prstGeom prst="rect">
-            <a:avLst/>
-          </a:prstGeom>
-        </p:spPr>
-      </p:pic>
       <p:sp>
         <p:nvSpPr>
           <p:cNvPr id="5" name="文本框 4"/>
@@ -15844,8 +15814,8 @@
         </p:nvSpPr>
         <p:spPr>
           <a:xfrm>
-            <a:off x="1054099" y="4230989"/>
-            <a:ext cx="9829800" cy="499624"/>
+            <a:off x="1054099" y="5637002"/>
+            <a:ext cx="9829800" cy="553998"/>
           </a:xfrm>
           <a:prstGeom prst="rect">
             <a:avLst/>
@@ -15870,28 +15840,21 @@
                 <a:latin typeface="微软雅黑" panose="020B0503020204020204" pitchFamily="34" charset="-122"/>
                 <a:ea typeface="微软雅黑" panose="020B0503020204020204" pitchFamily="34" charset="-122"/>
               </a:rPr>
-              <a:t>通过</a:t>
+              <a:t>设置</a:t>
+            </a:r>
+            <a:r>
+              <a:rPr lang="en-US" altLang="zh-CN" sz="2000" dirty="0">
+                <a:latin typeface="微软雅黑" panose="020B0503020204020204" pitchFamily="34" charset="-122"/>
+                <a:ea typeface="微软雅黑" panose="020B0503020204020204" pitchFamily="34" charset="-122"/>
+              </a:rPr>
+              <a:t>id=103&amp;name=</a:t>
             </a:r>
             <a:r>
               <a:rPr lang="en-US" altLang="zh-CN" sz="2000" dirty="0" err="1">
                 <a:latin typeface="微软雅黑" panose="020B0503020204020204" pitchFamily="34" charset="-122"/>
                 <a:ea typeface="微软雅黑" panose="020B0503020204020204" pitchFamily="34" charset="-122"/>
               </a:rPr>
-              <a:t>url</a:t>
-            </a:r>
-            <a:r>
-              <a:rPr lang="zh-CN" altLang="en-US" sz="2000" dirty="0">
-                <a:latin typeface="微软雅黑" panose="020B0503020204020204" pitchFamily="34" charset="-122"/>
-                <a:ea typeface="微软雅黑" panose="020B0503020204020204" pitchFamily="34" charset="-122"/>
-              </a:rPr>
-              <a:t>传递参数，设置</a:t>
-            </a:r>
-            <a:r>
-              <a:rPr lang="en-US" altLang="zh-CN" sz="2000" dirty="0">
-                <a:latin typeface="微软雅黑" panose="020B0503020204020204" pitchFamily="34" charset="-122"/>
-                <a:ea typeface="微软雅黑" panose="020B0503020204020204" pitchFamily="34" charset="-122"/>
-              </a:rPr>
-              <a:t>id=102&amp;name=hello</a:t>
+              <a:t>abc</a:t>
             </a:r>
             <a:r>
               <a:rPr lang="zh-CN" altLang="en-US" sz="2000" dirty="0">
@@ -15906,6 +15869,162 @@
                 <a:ea typeface="微软雅黑" panose="020B0503020204020204" pitchFamily="34" charset="-122"/>
               </a:rPr>
               <a:t>{"errcode":0,"errmsg":"ok"}</a:t>
+            </a:r>
+          </a:p>
+        </p:txBody>
+      </p:sp>
+      <p:sp>
+        <p:nvSpPr>
+          <p:cNvPr id="4" name="矩形 3">
+            <a:extLst>
+              <a:ext uri="{FF2B5EF4-FFF2-40B4-BE49-F238E27FC236}">
+                <a16:creationId xmlns:a16="http://schemas.microsoft.com/office/drawing/2014/main" id="{815C30DE-CB82-489F-ADCA-EA04A991F9CF}"/>
+              </a:ext>
+            </a:extLst>
+          </p:cNvPr>
+          <p:cNvSpPr/>
+          <p:nvPr/>
+        </p:nvSpPr>
+        <p:spPr>
+          <a:xfrm>
+            <a:off x="1054099" y="1660301"/>
+            <a:ext cx="10538134" cy="3693319"/>
+          </a:xfrm>
+          <a:prstGeom prst="rect">
+            <a:avLst/>
+          </a:prstGeom>
+        </p:spPr>
+        <p:txBody>
+          <a:bodyPr wrap="square">
+            <a:spAutoFit/>
+          </a:bodyPr>
+          <a:lstStyle/>
+          <a:p>
+            <a:r>
+              <a:rPr lang="zh-CN" altLang="en-US" dirty="0">
+                <a:latin typeface="Consolas" panose="020B0609020204030204" pitchFamily="49" charset="0"/>
+              </a:rPr>
+              <a:t>$curl = new weixin\wxCURL;</a:t>
+            </a:r>
+          </a:p>
+          <a:p>
+            <a:endParaRPr lang="zh-CN" altLang="en-US" dirty="0">
+              <a:latin typeface="Consolas" panose="020B0609020204030204" pitchFamily="49" charset="0"/>
+            </a:endParaRPr>
+          </a:p>
+          <a:p>
+            <a:r>
+              <a:rPr lang="zh-CN" altLang="en-US" dirty="0">
+                <a:latin typeface="Consolas" panose="020B0609020204030204" pitchFamily="49" charset="0"/>
+              </a:rPr>
+              <a:t>$update_tag_api = 'https://api.weixin.qq.com/cgi-bin/tags/update?access_token=';</a:t>
+            </a:r>
+          </a:p>
+          <a:p>
+            <a:r>
+              <a:rPr lang="zh-CN" altLang="en-US" dirty="0">
+                <a:latin typeface="Consolas" panose="020B0609020204030204" pitchFamily="49" charset="0"/>
+              </a:rPr>
+              <a:t>$update_tag_api .= weixin\wxToken::getToken();</a:t>
+            </a:r>
+          </a:p>
+          <a:p>
+            <a:r>
+              <a:rPr lang="zh-CN" altLang="en-US" dirty="0">
+                <a:latin typeface="Consolas" panose="020B0609020204030204" pitchFamily="49" charset="0"/>
+              </a:rPr>
+              <a:t>$post_data = [</a:t>
+            </a:r>
+          </a:p>
+          <a:p>
+            <a:r>
+              <a:rPr lang="zh-CN" altLang="en-US" dirty="0">
+                <a:latin typeface="Consolas" panose="020B0609020204030204" pitchFamily="49" charset="0"/>
+              </a:rPr>
+              <a:t>    'tag'=&gt;[</a:t>
+            </a:r>
+          </a:p>
+          <a:p>
+            <a:r>
+              <a:rPr lang="zh-CN" altLang="en-US" dirty="0">
+                <a:latin typeface="Consolas" panose="020B0609020204030204" pitchFamily="49" charset="0"/>
+              </a:rPr>
+              <a:t>        'id'=&gt;103,</a:t>
+            </a:r>
+          </a:p>
+          <a:p>
+            <a:r>
+              <a:rPr lang="zh-CN" altLang="en-US" dirty="0">
+                <a:latin typeface="Consolas" panose="020B0609020204030204" pitchFamily="49" charset="0"/>
+              </a:rPr>
+              <a:t>        'name'=&gt;'abc'</a:t>
+            </a:r>
+          </a:p>
+          <a:p>
+            <a:r>
+              <a:rPr lang="zh-CN" altLang="en-US" dirty="0">
+                <a:latin typeface="Consolas" panose="020B0609020204030204" pitchFamily="49" charset="0"/>
+              </a:rPr>
+              <a:t>    ]</a:t>
+            </a:r>
+          </a:p>
+          <a:p>
+            <a:r>
+              <a:rPr lang="zh-CN" altLang="en-US" dirty="0">
+                <a:latin typeface="Consolas" panose="020B0609020204030204" pitchFamily="49" charset="0"/>
+              </a:rPr>
+              <a:t>];</a:t>
+            </a:r>
+          </a:p>
+          <a:p>
+            <a:r>
+              <a:rPr lang="en-US" altLang="zh-CN" dirty="0">
+                <a:latin typeface="Consolas" panose="020B0609020204030204" pitchFamily="49" charset="0"/>
+              </a:rPr>
+              <a:t>$data = </a:t>
+            </a:r>
+            <a:r>
+              <a:rPr lang="zh-CN" altLang="en-US" dirty="0">
+                <a:latin typeface="Consolas" panose="020B0609020204030204" pitchFamily="49" charset="0"/>
+              </a:rPr>
+              <a:t>json_encode($post_data,JSON_UNESCAPED_UNICODE)</a:t>
+            </a:r>
+            <a:r>
+              <a:rPr lang="en-US" altLang="zh-CN" dirty="0">
+                <a:latin typeface="Consolas" panose="020B0609020204030204" pitchFamily="49" charset="0"/>
+              </a:rPr>
+              <a:t>;</a:t>
+            </a:r>
+            <a:endParaRPr lang="zh-CN" altLang="en-US" dirty="0">
+              <a:latin typeface="Consolas" panose="020B0609020204030204" pitchFamily="49" charset="0"/>
+            </a:endParaRPr>
+          </a:p>
+          <a:p>
+            <a:r>
+              <a:rPr lang="zh-CN" altLang="en-US" dirty="0">
+                <a:latin typeface="Consolas" panose="020B0609020204030204" pitchFamily="49" charset="0"/>
+              </a:rPr>
+              <a:t>$response = $curl-&gt;rawPost($update_tag_api,</a:t>
+            </a:r>
+            <a:r>
+              <a:rPr lang="en-US" altLang="zh-CN" dirty="0">
+                <a:latin typeface="Consolas" panose="020B0609020204030204" pitchFamily="49" charset="0"/>
+              </a:rPr>
+              <a:t>$data</a:t>
+            </a:r>
+            <a:r>
+              <a:rPr lang="zh-CN" altLang="en-US" dirty="0">
+                <a:latin typeface="Consolas" panose="020B0609020204030204" pitchFamily="49" charset="0"/>
+              </a:rPr>
+              <a:t>);</a:t>
+            </a:r>
+          </a:p>
+          <a:p>
+            <a:r>
+              <a:rPr lang="zh-CN" altLang="en-US" dirty="0">
+                <a:latin typeface="Consolas" panose="020B0609020204030204" pitchFamily="49" charset="0"/>
+              </a:rPr>
+              <a:t>echo $response;</a:t>
             </a:r>
           </a:p>
         </p:txBody>
@@ -16229,7 +16348,7 @@
         </p:nvSpPr>
         <p:spPr>
           <a:xfrm>
-            <a:off x="1114424" y="4754820"/>
+            <a:off x="1054099" y="5757711"/>
             <a:ext cx="10629900" cy="400110"/>
           </a:xfrm>
           <a:prstGeom prst="rect">
@@ -16252,21 +16371,7 @@
                 <a:latin typeface="微软雅黑" panose="020B0503020204020204" pitchFamily="34" charset="-122"/>
                 <a:ea typeface="微软雅黑" panose="020B0503020204020204" pitchFamily="34" charset="-122"/>
               </a:rPr>
-              <a:t>通过</a:t>
-            </a:r>
-            <a:r>
-              <a:rPr lang="en-US" altLang="zh-CN" sz="2000" dirty="0" err="1">
-                <a:latin typeface="微软雅黑" panose="020B0503020204020204" pitchFamily="34" charset="-122"/>
-                <a:ea typeface="微软雅黑" panose="020B0503020204020204" pitchFamily="34" charset="-122"/>
-              </a:rPr>
-              <a:t>url</a:t>
-            </a:r>
-            <a:r>
-              <a:rPr lang="zh-CN" altLang="en-US" sz="2000" dirty="0">
-                <a:latin typeface="微软雅黑" panose="020B0503020204020204" pitchFamily="34" charset="-122"/>
-                <a:ea typeface="微软雅黑" panose="020B0503020204020204" pitchFamily="34" charset="-122"/>
-              </a:rPr>
-              <a:t>传递参数，设置</a:t>
+              <a:t>设置</a:t>
             </a:r>
             <a:r>
               <a:rPr lang="en-US" altLang="zh-CN" sz="2000" dirty="0">
@@ -16292,36 +16397,124 @@
           </a:p>
         </p:txBody>
       </p:sp>
-      <p:pic>
-        <p:nvPicPr>
-          <p:cNvPr id="4" name="图片 3"/>
-          <p:cNvPicPr>
-            <a:picLocks noChangeAspect="1"/>
-          </p:cNvPicPr>
-          <p:nvPr/>
-        </p:nvPicPr>
-        <p:blipFill>
-          <a:blip r:embed="rId2">
+      <p:sp>
+        <p:nvSpPr>
+          <p:cNvPr id="5" name="矩形 4">
             <a:extLst>
-              <a:ext uri="{28A0092B-C50C-407E-A947-70E740481C1C}">
-                <a14:useLocalDpi xmlns:a14="http://schemas.microsoft.com/office/drawing/2010/main" val="0"/>
+              <a:ext uri="{FF2B5EF4-FFF2-40B4-BE49-F238E27FC236}">
+                <a16:creationId xmlns:a16="http://schemas.microsoft.com/office/drawing/2014/main" id="{FC13C8BE-51CD-45E4-A7B6-F4FDC47EA7A4}"/>
               </a:ext>
             </a:extLst>
-          </a:blip>
-          <a:stretch>
-            <a:fillRect/>
-          </a:stretch>
-        </p:blipFill>
+          </p:cNvPr>
+          <p:cNvSpPr/>
+          <p:nvPr/>
+        </p:nvSpPr>
         <p:spPr>
           <a:xfrm>
-            <a:off x="1114424" y="1757363"/>
-            <a:ext cx="10077915" cy="2571750"/>
+            <a:off x="1054099" y="1621670"/>
+            <a:ext cx="9173497" cy="3693319"/>
           </a:xfrm>
           <a:prstGeom prst="rect">
             <a:avLst/>
           </a:prstGeom>
         </p:spPr>
-      </p:pic>
+        <p:txBody>
+          <a:bodyPr wrap="square">
+            <a:spAutoFit/>
+          </a:bodyPr>
+          <a:lstStyle/>
+          <a:p>
+            <a:r>
+              <a:rPr lang="zh-CN" altLang="en-US" dirty="0">
+                <a:latin typeface="Consolas" panose="020B0609020204030204" pitchFamily="49" charset="0"/>
+              </a:rPr>
+              <a:t>$curl = new weixin\wxCURL;</a:t>
+            </a:r>
+          </a:p>
+          <a:p>
+            <a:endParaRPr lang="zh-CN" altLang="en-US" dirty="0">
+              <a:latin typeface="Consolas" panose="020B0609020204030204" pitchFamily="49" charset="0"/>
+            </a:endParaRPr>
+          </a:p>
+          <a:p>
+            <a:r>
+              <a:rPr lang="zh-CN" altLang="en-US" dirty="0">
+                <a:latin typeface="Consolas" panose="020B0609020204030204" pitchFamily="49" charset="0"/>
+              </a:rPr>
+              <a:t>$remove_tag_api = 'https://api.weixin.qq.com/cgi-bin/tags/delete?access_token=';</a:t>
+            </a:r>
+          </a:p>
+          <a:p>
+            <a:r>
+              <a:rPr lang="zh-CN" altLang="en-US" dirty="0">
+                <a:latin typeface="Consolas" panose="020B0609020204030204" pitchFamily="49" charset="0"/>
+              </a:rPr>
+              <a:t>$remove_tag_api .= weixin\wxToken::getToken();</a:t>
+            </a:r>
+          </a:p>
+          <a:p>
+            <a:r>
+              <a:rPr lang="zh-CN" altLang="en-US" dirty="0">
+                <a:latin typeface="Consolas" panose="020B0609020204030204" pitchFamily="49" charset="0"/>
+              </a:rPr>
+              <a:t>$post_data = [</a:t>
+            </a:r>
+          </a:p>
+          <a:p>
+            <a:r>
+              <a:rPr lang="zh-CN" altLang="en-US" dirty="0">
+                <a:latin typeface="Consolas" panose="020B0609020204030204" pitchFamily="49" charset="0"/>
+              </a:rPr>
+              <a:t>    'tag'=&gt;[</a:t>
+            </a:r>
+          </a:p>
+          <a:p>
+            <a:r>
+              <a:rPr lang="zh-CN" altLang="en-US" dirty="0">
+                <a:latin typeface="Consolas" panose="020B0609020204030204" pitchFamily="49" charset="0"/>
+              </a:rPr>
+              <a:t>        'id'=&gt;102</a:t>
+            </a:r>
+          </a:p>
+          <a:p>
+            <a:r>
+              <a:rPr lang="zh-CN" altLang="en-US" dirty="0">
+                <a:latin typeface="Consolas" panose="020B0609020204030204" pitchFamily="49" charset="0"/>
+              </a:rPr>
+              <a:t>    ]</a:t>
+            </a:r>
+          </a:p>
+          <a:p>
+            <a:r>
+              <a:rPr lang="zh-CN" altLang="en-US" dirty="0">
+                <a:latin typeface="Consolas" panose="020B0609020204030204" pitchFamily="49" charset="0"/>
+              </a:rPr>
+              <a:t>];</a:t>
+            </a:r>
+          </a:p>
+          <a:p>
+            <a:endParaRPr lang="zh-CN" altLang="en-US" dirty="0">
+              <a:latin typeface="Consolas" panose="020B0609020204030204" pitchFamily="49" charset="0"/>
+            </a:endParaRPr>
+          </a:p>
+          <a:p>
+            <a:r>
+              <a:rPr lang="zh-CN" altLang="en-US" dirty="0">
+                <a:latin typeface="Consolas" panose="020B0609020204030204" pitchFamily="49" charset="0"/>
+              </a:rPr>
+              <a:t>$data = json_encode($post_data,JSON_UNESCAPED_UNICODE);</a:t>
+            </a:r>
+          </a:p>
+          <a:p>
+            <a:r>
+              <a:rPr lang="zh-CN" altLang="en-US" dirty="0">
+                <a:latin typeface="Consolas" panose="020B0609020204030204" pitchFamily="49" charset="0"/>
+              </a:rPr>
+              <a:t>$response = $curl-&gt;rawPost($remove_tag_api,$data);</a:t>
+            </a:r>
+          </a:p>
+        </p:txBody>
+      </p:sp>
     </p:spTree>
     <p:extLst>
       <p:ext uri="{BB962C8B-B14F-4D97-AF65-F5344CB8AC3E}">
@@ -16825,36 +17018,6 @@
           </a:p>
         </p:txBody>
       </p:sp>
-      <p:pic>
-        <p:nvPicPr>
-          <p:cNvPr id="3" name="图片 2"/>
-          <p:cNvPicPr>
-            <a:picLocks noChangeAspect="1"/>
-          </p:cNvPicPr>
-          <p:nvPr/>
-        </p:nvPicPr>
-        <p:blipFill>
-          <a:blip r:embed="rId2">
-            <a:extLst>
-              <a:ext uri="{28A0092B-C50C-407E-A947-70E740481C1C}">
-                <a14:useLocalDpi xmlns:a14="http://schemas.microsoft.com/office/drawing/2010/main" val="0"/>
-              </a:ext>
-            </a:extLst>
-          </a:blip>
-          <a:stretch>
-            <a:fillRect/>
-          </a:stretch>
-        </p:blipFill>
-        <p:spPr>
-          <a:xfrm>
-            <a:off x="1054099" y="1543050"/>
-            <a:ext cx="10096500" cy="3028950"/>
-          </a:xfrm>
-          <a:prstGeom prst="rect">
-            <a:avLst/>
-          </a:prstGeom>
-        </p:spPr>
-      </p:pic>
       <p:sp>
         <p:nvSpPr>
           <p:cNvPr id="4" name="文本框 3"/>
@@ -16863,7 +17026,7 @@
         </p:nvSpPr>
         <p:spPr>
           <a:xfrm>
-            <a:off x="1054099" y="4885614"/>
+            <a:off x="1054099" y="5593537"/>
             <a:ext cx="9821861" cy="646331"/>
           </a:xfrm>
           <a:prstGeom prst="rect">
@@ -16926,6 +17089,143 @@
                 <a:ea typeface="微软雅黑" panose="020B0503020204020204" pitchFamily="34" charset="-122"/>
               </a:rPr>
               <a:t>{"errcode":0,"errmsg":"ok"}</a:t>
+            </a:r>
+          </a:p>
+        </p:txBody>
+      </p:sp>
+      <p:sp>
+        <p:nvSpPr>
+          <p:cNvPr id="5" name="矩形 4">
+            <a:extLst>
+              <a:ext uri="{FF2B5EF4-FFF2-40B4-BE49-F238E27FC236}">
+                <a16:creationId xmlns:a16="http://schemas.microsoft.com/office/drawing/2014/main" id="{4FB3B1DF-1817-4845-BF54-80D7ADEA61B6}"/>
+              </a:ext>
+            </a:extLst>
+          </p:cNvPr>
+          <p:cNvSpPr/>
+          <p:nvPr/>
+        </p:nvSpPr>
+        <p:spPr>
+          <a:xfrm>
+            <a:off x="1231080" y="1605004"/>
+            <a:ext cx="9171449" cy="3693319"/>
+          </a:xfrm>
+          <a:prstGeom prst="rect">
+            <a:avLst/>
+          </a:prstGeom>
+        </p:spPr>
+        <p:txBody>
+          <a:bodyPr wrap="square">
+            <a:spAutoFit/>
+          </a:bodyPr>
+          <a:lstStyle/>
+          <a:p>
+            <a:r>
+              <a:rPr lang="zh-CN" altLang="en-US" dirty="0"/>
+              <a:t>$curl = new weixin\wxCURL;</a:t>
+            </a:r>
+          </a:p>
+          <a:p>
+            <a:r>
+              <a:rPr lang="zh-CN" altLang="en-US" dirty="0"/>
+              <a:t>$set_tag_api = 'https://api.weixin.qq.com/cgi-bin/tags/members/batchtagging?access_token=‘;</a:t>
+            </a:r>
+            <a:endParaRPr lang="en-US" altLang="zh-CN" dirty="0"/>
+          </a:p>
+          <a:p>
+            <a:r>
+              <a:rPr lang="en-US" altLang="zh-CN" dirty="0"/>
+              <a:t>$</a:t>
+            </a:r>
+            <a:r>
+              <a:rPr lang="en-US" altLang="zh-CN" dirty="0" err="1"/>
+              <a:t>set_tag_api</a:t>
+            </a:r>
+            <a:r>
+              <a:rPr lang="en-US" altLang="zh-CN" dirty="0"/>
+              <a:t> .= </a:t>
+            </a:r>
+            <a:r>
+              <a:rPr lang="en-US" altLang="zh-CN" dirty="0" err="1"/>
+              <a:t>weixin</a:t>
+            </a:r>
+            <a:r>
+              <a:rPr lang="en-US" altLang="zh-CN" dirty="0"/>
+              <a:t>\</a:t>
+            </a:r>
+            <a:r>
+              <a:rPr lang="en-US" altLang="zh-CN" dirty="0" err="1"/>
+              <a:t>wxToken</a:t>
+            </a:r>
+            <a:r>
+              <a:rPr lang="en-US" altLang="zh-CN" dirty="0"/>
+              <a:t>::</a:t>
+            </a:r>
+            <a:r>
+              <a:rPr lang="en-US" altLang="zh-CN" dirty="0" err="1"/>
+              <a:t>getToken</a:t>
+            </a:r>
+            <a:r>
+              <a:rPr lang="en-US" altLang="zh-CN" dirty="0"/>
+              <a:t>();</a:t>
+            </a:r>
+            <a:endParaRPr lang="zh-CN" altLang="en-US" dirty="0"/>
+          </a:p>
+          <a:p>
+            <a:r>
+              <a:rPr lang="zh-CN" altLang="en-US" dirty="0"/>
+              <a:t>$post_data = [</a:t>
+            </a:r>
+          </a:p>
+          <a:p>
+            <a:r>
+              <a:rPr lang="zh-CN" altLang="en-US" dirty="0"/>
+              <a:t>    'openid_list'=&gt;[</a:t>
+            </a:r>
+          </a:p>
+          <a:p>
+            <a:r>
+              <a:rPr lang="zh-CN" altLang="en-US" dirty="0"/>
+              <a:t>        'o3SIswSGN5X4CqjEYXC4_J9iBDTg'</a:t>
+            </a:r>
+          </a:p>
+          <a:p>
+            <a:r>
+              <a:rPr lang="zh-CN" altLang="en-US" dirty="0"/>
+              <a:t>    ],</a:t>
+            </a:r>
+          </a:p>
+          <a:p>
+            <a:r>
+              <a:rPr lang="zh-CN" altLang="en-US" dirty="0"/>
+              <a:t>    'tagid'=&gt;104</a:t>
+            </a:r>
+          </a:p>
+          <a:p>
+            <a:r>
+              <a:rPr lang="zh-CN" altLang="en-US" dirty="0"/>
+              <a:t>];</a:t>
+            </a:r>
+          </a:p>
+          <a:p>
+            <a:endParaRPr lang="zh-CN" altLang="en-US" dirty="0"/>
+          </a:p>
+          <a:p>
+            <a:r>
+              <a:rPr lang="zh-CN" altLang="en-US" dirty="0"/>
+              <a:t>$data = json_encode($post_data,JSON_UNESCAPED_UNICODE);</a:t>
+            </a:r>
+          </a:p>
+          <a:p>
+            <a:r>
+              <a:rPr lang="zh-CN" altLang="en-US" dirty="0"/>
+              <a:t>$response = $curl-&gt;rawPost($set_tag_api,$data);</a:t>
+            </a:r>
+          </a:p>
+          <a:p>
+            <a:r>
+              <a:rPr lang="zh-CN" altLang="en-US" dirty="0"/>
+              <a:t>echo $response;</a:t>
             </a:r>
           </a:p>
         </p:txBody>
@@ -17233,36 +17533,119 @@
           </a:p>
         </p:txBody>
       </p:sp>
-      <p:pic>
-        <p:nvPicPr>
-          <p:cNvPr id="4" name="图片 3"/>
-          <p:cNvPicPr>
-            <a:picLocks noChangeAspect="1"/>
-          </p:cNvPicPr>
-          <p:nvPr/>
-        </p:nvPicPr>
-        <p:blipFill>
-          <a:blip r:embed="rId2">
+      <p:sp>
+        <p:nvSpPr>
+          <p:cNvPr id="3" name="矩形 2">
             <a:extLst>
-              <a:ext uri="{28A0092B-C50C-407E-A947-70E740481C1C}">
-                <a14:useLocalDpi xmlns:a14="http://schemas.microsoft.com/office/drawing/2010/main" val="0"/>
+              <a:ext uri="{FF2B5EF4-FFF2-40B4-BE49-F238E27FC236}">
+                <a16:creationId xmlns:a16="http://schemas.microsoft.com/office/drawing/2014/main" id="{D48F3A69-5FFA-4800-AEC1-5BAC609A732B}"/>
               </a:ext>
             </a:extLst>
-          </a:blip>
-          <a:stretch>
-            <a:fillRect/>
-          </a:stretch>
-        </p:blipFill>
+          </p:cNvPr>
+          <p:cNvSpPr/>
+          <p:nvPr/>
+        </p:nvSpPr>
         <p:spPr>
           <a:xfrm>
-            <a:off x="1054098" y="1543049"/>
-            <a:ext cx="10077017" cy="2714625"/>
+            <a:off x="1132757" y="1917485"/>
+            <a:ext cx="8434030" cy="3416320"/>
           </a:xfrm>
           <a:prstGeom prst="rect">
             <a:avLst/>
           </a:prstGeom>
         </p:spPr>
-      </p:pic>
+        <p:txBody>
+          <a:bodyPr wrap="square">
+            <a:spAutoFit/>
+          </a:bodyPr>
+          <a:lstStyle/>
+          <a:p>
+            <a:r>
+              <a:rPr lang="zh-CN" altLang="en-US" dirty="0">
+                <a:latin typeface="Consolas" panose="020B0609020204030204" pitchFamily="49" charset="0"/>
+              </a:rPr>
+              <a:t>$curl = new weixin\wxCURL;</a:t>
+            </a:r>
+          </a:p>
+          <a:p>
+            <a:r>
+              <a:rPr lang="zh-CN" altLang="en-US" dirty="0">
+                <a:latin typeface="Consolas" panose="020B0609020204030204" pitchFamily="49" charset="0"/>
+              </a:rPr>
+              <a:t>$user_tag_api = 'https://api.weixin.qq.com/cgi-bin/user/tag/get?access_token=';</a:t>
+            </a:r>
+          </a:p>
+          <a:p>
+            <a:r>
+              <a:rPr lang="zh-CN" altLang="en-US" dirty="0">
+                <a:latin typeface="Consolas" panose="020B0609020204030204" pitchFamily="49" charset="0"/>
+              </a:rPr>
+              <a:t>$user_tag_api .= weixin\wxToken::getToken();</a:t>
+            </a:r>
+          </a:p>
+          <a:p>
+            <a:r>
+              <a:rPr lang="zh-CN" altLang="en-US" dirty="0">
+                <a:latin typeface="Consolas" panose="020B0609020204030204" pitchFamily="49" charset="0"/>
+              </a:rPr>
+              <a:t>$post_data = [</a:t>
+            </a:r>
+          </a:p>
+          <a:p>
+            <a:r>
+              <a:rPr lang="zh-CN" altLang="en-US" dirty="0">
+                <a:latin typeface="Consolas" panose="020B0609020204030204" pitchFamily="49" charset="0"/>
+              </a:rPr>
+              <a:t>    'tagid'=&gt;104,</a:t>
+            </a:r>
+          </a:p>
+          <a:p>
+            <a:r>
+              <a:rPr lang="zh-CN" altLang="en-US" dirty="0">
+                <a:latin typeface="Consolas" panose="020B0609020204030204" pitchFamily="49" charset="0"/>
+              </a:rPr>
+              <a:t>    'next_openid'=&gt;''</a:t>
+            </a:r>
+          </a:p>
+          <a:p>
+            <a:r>
+              <a:rPr lang="zh-CN" altLang="en-US" dirty="0">
+                <a:latin typeface="Consolas" panose="020B0609020204030204" pitchFamily="49" charset="0"/>
+              </a:rPr>
+              <a:t>];</a:t>
+            </a:r>
+          </a:p>
+          <a:p>
+            <a:endParaRPr lang="zh-CN" altLang="en-US" dirty="0">
+              <a:latin typeface="Consolas" panose="020B0609020204030204" pitchFamily="49" charset="0"/>
+            </a:endParaRPr>
+          </a:p>
+          <a:p>
+            <a:r>
+              <a:rPr lang="zh-CN" altLang="en-US" dirty="0">
+                <a:latin typeface="Consolas" panose="020B0609020204030204" pitchFamily="49" charset="0"/>
+              </a:rPr>
+              <a:t>$data = json_encode($post_data,JSON_UNESCAPED_UNICODE);</a:t>
+            </a:r>
+          </a:p>
+          <a:p>
+            <a:r>
+              <a:rPr lang="zh-CN" altLang="en-US" dirty="0">
+                <a:latin typeface="Consolas" panose="020B0609020204030204" pitchFamily="49" charset="0"/>
+              </a:rPr>
+              <a:t>$response = $curl-&gt;rawPost($user_tag_api,$data);</a:t>
+            </a:r>
+          </a:p>
+          <a:p>
+            <a:r>
+              <a:rPr lang="zh-CN" altLang="en-US" dirty="0">
+                <a:latin typeface="Consolas" panose="020B0609020204030204" pitchFamily="49" charset="0"/>
+              </a:rPr>
+              <a:t>walk_arr_echo( json_decode($response,true) );</a:t>
+            </a:r>
+          </a:p>
+        </p:txBody>
+      </p:sp>
     </p:spTree>
     <p:extLst>
       <p:ext uri="{BB962C8B-B14F-4D97-AF65-F5344CB8AC3E}">
@@ -17322,7 +17705,13 @@
       </p:sp>
       <p:pic>
         <p:nvPicPr>
-          <p:cNvPr id="3" name="图片 2"/>
+          <p:cNvPr id="5" name="图片 4">
+            <a:extLst>
+              <a:ext uri="{FF2B5EF4-FFF2-40B4-BE49-F238E27FC236}">
+                <a16:creationId xmlns:a16="http://schemas.microsoft.com/office/drawing/2014/main" id="{E1180A58-BF25-41CC-9432-A4145EF56DCC}"/>
+              </a:ext>
+            </a:extLst>
+          </p:cNvPr>
           <p:cNvPicPr>
             <a:picLocks noChangeAspect="1"/>
           </p:cNvPicPr>
@@ -17342,8 +17731,8 @@
         </p:blipFill>
         <p:spPr>
           <a:xfrm>
-            <a:off x="1054098" y="1757363"/>
-            <a:ext cx="7650269" cy="3186112"/>
+            <a:off x="1054099" y="1795247"/>
+            <a:ext cx="9876833" cy="3956624"/>
           </a:xfrm>
           <a:prstGeom prst="rect">
             <a:avLst/>
@@ -17882,8 +18271,8 @@
         </p:nvSpPr>
         <p:spPr>
           <a:xfrm>
-            <a:off x="1054099" y="543636"/>
-            <a:ext cx="7032626" cy="685800"/>
+            <a:off x="1054100" y="543636"/>
+            <a:ext cx="6959190" cy="685800"/>
           </a:xfrm>
         </p:spPr>
         <p:txBody>
@@ -17892,45 +18281,15 @@
           <a:p>
             <a:r>
               <a:rPr lang="zh-CN" altLang="en-US" b="0" dirty="0"/>
-              <a:t>批量取消用户标签代码</a:t>
-            </a:r>
-          </a:p>
-        </p:txBody>
-      </p:sp>
-      <p:pic>
-        <p:nvPicPr>
-          <p:cNvPr id="3" name="图片 2"/>
-          <p:cNvPicPr>
-            <a:picLocks noChangeAspect="1"/>
-          </p:cNvPicPr>
-          <p:nvPr/>
-        </p:nvPicPr>
-        <p:blipFill>
-          <a:blip r:embed="rId2">
-            <a:extLst>
-              <a:ext uri="{28A0092B-C50C-407E-A947-70E740481C1C}">
-                <a14:useLocalDpi xmlns:a14="http://schemas.microsoft.com/office/drawing/2010/main" val="0"/>
-              </a:ext>
-            </a:extLst>
-          </a:blip>
-          <a:stretch>
-            <a:fillRect/>
-          </a:stretch>
-        </p:blipFill>
-        <p:spPr>
-          <a:xfrm>
-            <a:off x="1054099" y="1728787"/>
-            <a:ext cx="9156111" cy="2714626"/>
-          </a:xfrm>
-          <a:prstGeom prst="rect">
-            <a:avLst/>
-          </a:prstGeom>
-        </p:spPr>
-      </p:pic>
+              <a:t>练习：批量取消用户标签</a:t>
+            </a:r>
+          </a:p>
+        </p:txBody>
+      </p:sp>
     </p:spTree>
     <p:extLst>
       <p:ext uri="{BB962C8B-B14F-4D97-AF65-F5344CB8AC3E}">
-        <p14:creationId xmlns:p14="http://schemas.microsoft.com/office/powerpoint/2010/main" val="3020456092"/>
+        <p14:creationId xmlns:p14="http://schemas.microsoft.com/office/powerpoint/2010/main" val="2687256644"/>
       </p:ext>
     </p:extLst>
   </p:cSld>
@@ -19498,7 +19857,11 @@
             <a:graphicFrameLocks noGrp="1"/>
           </p:cNvGraphicFramePr>
           <p:nvPr>
-            <p:extLst/>
+            <p:extLst>
+              <p:ext uri="{D42A27DB-BD31-4B8C-83A1-F6EECF244321}">
+                <p14:modId xmlns:p14="http://schemas.microsoft.com/office/powerpoint/2010/main" val="109900861"/>
+              </p:ext>
+            </p:extLst>
           </p:nvPr>
         </p:nvGraphicFramePr>
         <p:xfrm>
@@ -19533,7 +19896,7 @@
                     <a:p>
                       <a:pPr latinLnBrk="1"/>
                       <a:r>
-                        <a:rPr lang="zh-CN" altLang="en-US" dirty="0">
+                        <a:rPr lang="zh-CN" altLang="en-US" b="1" dirty="0">
                           <a:effectLst/>
                         </a:rPr>
                         <a:t>参数</a:t>
@@ -19562,7 +19925,7 @@
                     <a:p>
                       <a:pPr latinLnBrk="1"/>
                       <a:r>
-                        <a:rPr lang="zh-CN" altLang="en-US" dirty="0">
+                        <a:rPr lang="zh-CN" altLang="en-US" b="1" dirty="0">
                           <a:effectLst/>
                         </a:rPr>
                         <a:t>说明</a:t>
@@ -19623,7 +19986,7 @@
                     <a:lstStyle/>
                     <a:p>
                       <a:r>
-                        <a:rPr lang="zh-CN" altLang="en-US"/>
+                        <a:rPr lang="zh-CN" altLang="en-US" dirty="0"/>
                         <a:t>关注该公众账号的总用户数</a:t>
                       </a:r>
                     </a:p>
@@ -19913,7 +20276,13 @@
       </p:sp>
       <p:pic>
         <p:nvPicPr>
-          <p:cNvPr id="4" name="图片 3"/>
+          <p:cNvPr id="5" name="图片 4">
+            <a:extLst>
+              <a:ext uri="{FF2B5EF4-FFF2-40B4-BE49-F238E27FC236}">
+                <a16:creationId xmlns:a16="http://schemas.microsoft.com/office/drawing/2014/main" id="{7C6E2FB5-2626-4FC9-935A-0DB1C1597413}"/>
+              </a:ext>
+            </a:extLst>
+          </p:cNvPr>
           <p:cNvPicPr>
             <a:picLocks noChangeAspect="1"/>
           </p:cNvPicPr>
@@ -19933,8 +20302,8 @@
         </p:blipFill>
         <p:spPr>
           <a:xfrm>
-            <a:off x="1054098" y="1547812"/>
-            <a:ext cx="8716357" cy="4124325"/>
+            <a:off x="1278070" y="1689673"/>
+            <a:ext cx="9380220" cy="4815840"/>
           </a:xfrm>
           <a:prstGeom prst="rect">
             <a:avLst/>

--- a/meterials/slides/ch08-user-manage.pptx
+++ b/meterials/slides/ch08-user-manage.pptx
@@ -282,7 +282,7 @@
           <a:p>
             <a:fld id="{2B71C804-97F5-4B36-A7AC-EEEC7F44F6C2}" type="datetimeFigureOut">
               <a:rPr lang="zh-CN" altLang="en-US" smtClean="0"/>
-              <a:t>2017/9/6</a:t>
+              <a:t>2017/9/7</a:t>
             </a:fld>
             <a:endParaRPr lang="zh-CN" altLang="en-US"/>
           </a:p>
@@ -448,7 +448,7 @@
           <a:p>
             <a:fld id="{0568D9C6-D8DC-4CC3-8480-E0C4DBA1CC07}" type="datetimeFigureOut">
               <a:rPr lang="zh-CN" altLang="en-US" smtClean="0"/>
-              <a:t>2017/9/6</a:t>
+              <a:t>2017/9/7</a:t>
             </a:fld>
             <a:endParaRPr lang="zh-CN" altLang="en-US"/>
           </a:p>
@@ -1147,7 +1147,7 @@
           <a:p>
             <a:fld id="{DB9D664F-4C68-42D2-B189-678958EFAFDA}" type="datetime1">
               <a:rPr lang="zh-CN" altLang="en-US" smtClean="0"/>
-              <a:t>2017/9/6</a:t>
+              <a:t>2017/9/7</a:t>
             </a:fld>
             <a:endParaRPr lang="zh-CN" altLang="en-US"/>
           </a:p>
@@ -2129,7 +2129,7 @@
           <a:p>
             <a:fld id="{ED5513C8-E3A4-4D78-B249-887659A958FF}" type="datetime1">
               <a:rPr lang="en-US" altLang="zh-CN" smtClean="0"/>
-              <a:t>9/6/2017</a:t>
+              <a:t>9/7/2017</a:t>
             </a:fld>
             <a:endParaRPr lang="en-US"/>
           </a:p>
@@ -2307,7 +2307,7 @@
           <a:p>
             <a:fld id="{EBEDA52C-3EEE-4289-818C-901C0A7814FE}" type="datetime1">
               <a:rPr lang="en-US" altLang="zh-CN" smtClean="0"/>
-              <a:t>9/6/2017</a:t>
+              <a:t>9/7/2017</a:t>
             </a:fld>
             <a:endParaRPr lang="en-US"/>
           </a:p>
@@ -2561,7 +2561,7 @@
           <a:p>
             <a:fld id="{09EF5D7F-EA15-485C-85DD-8FDC010A62D4}" type="datetime1">
               <a:rPr lang="en-US" altLang="zh-CN" smtClean="0"/>
-              <a:t>9/6/2017</a:t>
+              <a:t>9/7/2017</a:t>
             </a:fld>
             <a:endParaRPr lang="en-US"/>
           </a:p>
@@ -2801,7 +2801,7 @@
           <a:p>
             <a:fld id="{9541C2B2-0BAB-4CD4-83EE-25F1A7138896}" type="datetime1">
               <a:rPr lang="en-US" altLang="zh-CN" smtClean="0"/>
-              <a:t>9/6/2017</a:t>
+              <a:t>9/7/2017</a:t>
             </a:fld>
             <a:endParaRPr lang="en-US"/>
           </a:p>
@@ -3176,7 +3176,7 @@
           <a:p>
             <a:fld id="{7DEA23E7-D0FC-41DC-8745-BE6FC447B182}" type="datetime1">
               <a:rPr lang="en-US" altLang="zh-CN" smtClean="0"/>
-              <a:t>9/6/2017</a:t>
+              <a:t>9/7/2017</a:t>
             </a:fld>
             <a:endParaRPr lang="en-US"/>
           </a:p>
@@ -3961,7 +3961,7 @@
           <a:p>
             <a:fld id="{5DEA8378-5F33-490B-8120-8DE6B7EE2781}" type="datetime1">
               <a:rPr lang="en-US" altLang="zh-CN" smtClean="0"/>
-              <a:t>9/6/2017</a:t>
+              <a:t>9/7/2017</a:t>
             </a:fld>
             <a:endParaRPr lang="en-US"/>
           </a:p>
@@ -4215,7 +4215,7 @@
           <a:p>
             <a:fld id="{38DD30CF-78A7-4C73-91B4-38D3E3317745}" type="datetime1">
               <a:rPr lang="en-US" altLang="zh-CN" smtClean="0"/>
-              <a:t>9/6/2017</a:t>
+              <a:t>9/7/2017</a:t>
             </a:fld>
             <a:endParaRPr lang="en-US"/>
           </a:p>
@@ -4318,7 +4318,7 @@
           <a:p>
             <a:fld id="{A1BE0A72-8501-4974-A7B7-5BD248ABBAFC}" type="datetime1">
               <a:rPr lang="zh-CN" altLang="en-US" smtClean="0"/>
-              <a:t>2017/9/6</a:t>
+              <a:t>2017/9/7</a:t>
             </a:fld>
             <a:endParaRPr lang="zh-CN" altLang="en-US"/>
           </a:p>
@@ -4579,7 +4579,7 @@
           <a:p>
             <a:fld id="{0B7E01DD-16D0-4DBA-9C1A-51468BA0B73A}" type="datetime1">
               <a:rPr lang="en-US" altLang="zh-CN" smtClean="0"/>
-              <a:t>9/6/2017</a:t>
+              <a:t>9/7/2017</a:t>
             </a:fld>
             <a:endParaRPr lang="en-US"/>
           </a:p>
@@ -4757,7 +4757,7 @@
           <a:p>
             <a:fld id="{B587E63F-0E62-4A50-901F-E071D77F7634}" type="datetime1">
               <a:rPr lang="en-US" altLang="zh-CN" smtClean="0"/>
-              <a:t>9/6/2017</a:t>
+              <a:t>9/7/2017</a:t>
             </a:fld>
             <a:endParaRPr lang="en-US"/>
           </a:p>
@@ -4945,7 +4945,7 @@
           <a:p>
             <a:fld id="{BD8521E8-9297-400B-AD8C-0A4D05699D33}" type="datetime1">
               <a:rPr lang="en-US" altLang="zh-CN" smtClean="0"/>
-              <a:t>9/6/2017</a:t>
+              <a:t>9/7/2017</a:t>
             </a:fld>
             <a:endParaRPr lang="en-US"/>
           </a:p>
@@ -5176,7 +5176,7 @@
           <a:p>
             <a:fld id="{ED5513C8-E3A4-4D78-B249-887659A958FF}" type="datetime1">
               <a:rPr lang="en-US" altLang="zh-CN" smtClean="0"/>
-              <a:t>9/6/2017</a:t>
+              <a:t>9/7/2017</a:t>
             </a:fld>
             <a:endParaRPr lang="en-US"/>
           </a:p>
@@ -5354,7 +5354,7 @@
           <a:p>
             <a:fld id="{EBEDA52C-3EEE-4289-818C-901C0A7814FE}" type="datetime1">
               <a:rPr lang="en-US" altLang="zh-CN" smtClean="0"/>
-              <a:t>9/6/2017</a:t>
+              <a:t>9/7/2017</a:t>
             </a:fld>
             <a:endParaRPr lang="en-US"/>
           </a:p>
@@ -5608,7 +5608,7 @@
           <a:p>
             <a:fld id="{09EF5D7F-EA15-485C-85DD-8FDC010A62D4}" type="datetime1">
               <a:rPr lang="en-US" altLang="zh-CN" smtClean="0"/>
-              <a:t>9/6/2017</a:t>
+              <a:t>9/7/2017</a:t>
             </a:fld>
             <a:endParaRPr lang="en-US"/>
           </a:p>
@@ -5848,7 +5848,7 @@
           <a:p>
             <a:fld id="{9541C2B2-0BAB-4CD4-83EE-25F1A7138896}" type="datetime1">
               <a:rPr lang="en-US" altLang="zh-CN" smtClean="0"/>
-              <a:t>9/6/2017</a:t>
+              <a:t>9/7/2017</a:t>
             </a:fld>
             <a:endParaRPr lang="en-US"/>
           </a:p>
@@ -6223,7 +6223,7 @@
           <a:p>
             <a:fld id="{7DEA23E7-D0FC-41DC-8745-BE6FC447B182}" type="datetime1">
               <a:rPr lang="en-US" altLang="zh-CN" smtClean="0"/>
-              <a:t>9/6/2017</a:t>
+              <a:t>9/7/2017</a:t>
             </a:fld>
             <a:endParaRPr lang="en-US"/>
           </a:p>
@@ -7008,7 +7008,7 @@
           <a:p>
             <a:fld id="{A1BE0A72-8501-4974-A7B7-5BD248ABBAFC}" type="datetime1">
               <a:rPr lang="zh-CN" altLang="en-US" smtClean="0"/>
-              <a:t>2017/9/6</a:t>
+              <a:t>2017/9/7</a:t>
             </a:fld>
             <a:endParaRPr lang="zh-CN" altLang="en-US"/>
           </a:p>
@@ -7061,7 +7061,7 @@
           <a:p>
             <a:fld id="{5DEA8378-5F33-490B-8120-8DE6B7EE2781}" type="datetime1">
               <a:rPr lang="en-US" altLang="zh-CN" smtClean="0"/>
-              <a:t>9/6/2017</a:t>
+              <a:t>9/7/2017</a:t>
             </a:fld>
             <a:endParaRPr lang="en-US"/>
           </a:p>
@@ -7315,7 +7315,7 @@
           <a:p>
             <a:fld id="{38DD30CF-78A7-4C73-91B4-38D3E3317745}" type="datetime1">
               <a:rPr lang="en-US" altLang="zh-CN" smtClean="0"/>
-              <a:t>9/6/2017</a:t>
+              <a:t>9/7/2017</a:t>
             </a:fld>
             <a:endParaRPr lang="en-US"/>
           </a:p>
@@ -7580,7 +7580,7 @@
           <a:p>
             <a:fld id="{0B7E01DD-16D0-4DBA-9C1A-51468BA0B73A}" type="datetime1">
               <a:rPr lang="en-US" altLang="zh-CN" smtClean="0"/>
-              <a:t>9/6/2017</a:t>
+              <a:t>9/7/2017</a:t>
             </a:fld>
             <a:endParaRPr lang="en-US"/>
           </a:p>
@@ -7758,7 +7758,7 @@
           <a:p>
             <a:fld id="{B587E63F-0E62-4A50-901F-E071D77F7634}" type="datetime1">
               <a:rPr lang="en-US" altLang="zh-CN" smtClean="0"/>
-              <a:t>9/6/2017</a:t>
+              <a:t>9/7/2017</a:t>
             </a:fld>
             <a:endParaRPr lang="en-US"/>
           </a:p>
@@ -7946,7 +7946,7 @@
           <a:p>
             <a:fld id="{BD8521E8-9297-400B-AD8C-0A4D05699D33}" type="datetime1">
               <a:rPr lang="en-US" altLang="zh-CN" smtClean="0"/>
-              <a:t>9/6/2017</a:t>
+              <a:t>9/7/2017</a:t>
             </a:fld>
             <a:endParaRPr lang="en-US"/>
           </a:p>
@@ -8049,7 +8049,7 @@
           <a:p>
             <a:fld id="{EF452D9C-F9EB-4417-9C3A-C876C2AF9415}" type="datetime1">
               <a:rPr lang="zh-CN" altLang="en-US" smtClean="0"/>
-              <a:t>2017/9/6</a:t>
+              <a:t>2017/9/7</a:t>
             </a:fld>
             <a:endParaRPr lang="zh-CN" altLang="en-US"/>
           </a:p>
@@ -8235,7 +8235,7 @@
           <a:p>
             <a:fld id="{2F2E9289-9B4C-49AE-BDDA-70D6EDC89D17}" type="datetime1">
               <a:rPr lang="zh-CN" altLang="en-US" smtClean="0"/>
-              <a:t>2017/9/6</a:t>
+              <a:t>2017/9/7</a:t>
             </a:fld>
             <a:endParaRPr lang="zh-CN" altLang="en-US"/>
           </a:p>
@@ -8405,7 +8405,7 @@
           <a:p>
             <a:fld id="{2F2E9289-9B4C-49AE-BDDA-70D6EDC89D17}" type="datetime1">
               <a:rPr lang="zh-CN" altLang="en-US" smtClean="0"/>
-              <a:t>2017/9/6</a:t>
+              <a:t>2017/9/7</a:t>
             </a:fld>
             <a:endParaRPr lang="zh-CN" altLang="en-US"/>
           </a:p>
@@ -8641,7 +8641,7 @@
           <a:p>
             <a:fld id="{8C5BA751-A251-47D6-8494-C134D9EBED5F}" type="datetime1">
               <a:rPr lang="zh-CN" altLang="en-US" smtClean="0"/>
-              <a:t>2017/9/6</a:t>
+              <a:t>2017/9/7</a:t>
             </a:fld>
             <a:endParaRPr lang="zh-CN" altLang="en-US"/>
           </a:p>
@@ -8997,7 +8997,7 @@
           <a:p>
             <a:fld id="{C46E2078-F302-4651-A2A2-2FC6C4E1A3F1}" type="datetime1">
               <a:rPr lang="zh-CN" altLang="en-US" smtClean="0"/>
-              <a:t>2017/9/6</a:t>
+              <a:t>2017/9/7</a:t>
             </a:fld>
             <a:endParaRPr lang="zh-CN" altLang="en-US"/>
           </a:p>
@@ -9119,7 +9119,7 @@
               <a:pPr>
                 <a:defRPr/>
               </a:pPr>
-              <a:t>2017/9/6</a:t>
+              <a:t>2017/9/7</a:t>
             </a:fld>
             <a:endParaRPr lang="zh-CN" altLang="en-US"/>
           </a:p>
@@ -9267,7 +9267,7 @@
           <a:p>
             <a:fld id="{A1BE0A72-8501-4974-A7B7-5BD248ABBAFC}" type="datetime1">
               <a:rPr lang="zh-CN" altLang="en-US" smtClean="0"/>
-              <a:t>2017/9/6</a:t>
+              <a:t>2017/9/7</a:t>
             </a:fld>
             <a:endParaRPr lang="zh-CN" altLang="en-US"/>
           </a:p>
@@ -9781,7 +9781,7 @@
           <a:p>
             <a:fld id="{A1BE0A72-8501-4974-A7B7-5BD248ABBAFC}" type="datetime1">
               <a:rPr lang="zh-CN" altLang="en-US" smtClean="0"/>
-              <a:t>2017/9/6</a:t>
+              <a:t>2017/9/7</a:t>
             </a:fld>
             <a:endParaRPr lang="zh-CN" altLang="en-US"/>
           </a:p>
@@ -10387,7 +10387,7 @@
           <a:p>
             <a:fld id="{7A78726F-0AD2-4A20-BC72-263D2D3F3A2F}" type="datetime1">
               <a:rPr lang="en-US" altLang="zh-CN" smtClean="0"/>
-              <a:t>9/6/2017</a:t>
+              <a:t>9/7/2017</a:t>
             </a:fld>
             <a:endParaRPr lang="en-US"/>
           </a:p>
@@ -11368,7 +11368,7 @@
           <a:p>
             <a:fld id="{A1BE0A72-8501-4974-A7B7-5BD248ABBAFC}" type="datetime1">
               <a:rPr lang="zh-CN" altLang="en-US" smtClean="0"/>
-              <a:t>2017/9/6</a:t>
+              <a:t>2017/9/7</a:t>
             </a:fld>
             <a:endParaRPr lang="zh-CN" altLang="en-US"/>
           </a:p>
@@ -11974,7 +11974,7 @@
           <a:p>
             <a:fld id="{7A78726F-0AD2-4A20-BC72-263D2D3F3A2F}" type="datetime1">
               <a:rPr lang="en-US" altLang="zh-CN" smtClean="0"/>
-              <a:t>9/6/2017</a:t>
+              <a:t>9/7/2017</a:t>
             </a:fld>
             <a:endParaRPr lang="en-US"/>
           </a:p>
@@ -19730,7 +19730,7 @@
         <p:spPr>
           <a:xfrm>
             <a:off x="1157288" y="1662835"/>
-            <a:ext cx="10315575" cy="1711366"/>
+            <a:ext cx="10315575" cy="1754326"/>
           </a:xfrm>
           <a:prstGeom prst="rect">
             <a:avLst/>
@@ -19781,10 +19781,16 @@
               <a:t>openid</a:t>
             </a:r>
             <a:r>
+              <a:rPr lang="en-US" altLang="zh-CN">
+                <a:latin typeface="Calibri" panose="020F0502020204030204" pitchFamily="34" charset="0"/>
+              </a:rPr>
+              <a:t>":["</a:t>
+            </a:r>
+            <a:r>
               <a:rPr lang="en-US" altLang="zh-CN" dirty="0">
                 <a:latin typeface="Calibri" panose="020F0502020204030204" pitchFamily="34" charset="0"/>
               </a:rPr>
-              <a:t>":["","OPENID1","OPENID2"]},"next_</a:t>
+              <a:t>OPENID1","OPENID2"]},"next_</a:t>
             </a:r>
             <a:r>
               <a:rPr lang="en-US" altLang="zh-CN" dirty="0" err="1">
